--- a/propuesta/Presentacion_PlanMejora_TI_Empresa.pptx
+++ b/propuesta/Presentacion_PlanMejora_TI_Empresa.pptx
@@ -3118,26 +3118,88 @@
           <a:bodyPr/>
           <a:lstStyle/>
           <a:p>
-            <a:pPr algn="l"/>
-            <a:r>
-              <a:rPr sz="2000">
-                <a:solidFill>
-                  <a:srgbClr val="323232"/>
-                </a:solidFill>
-                <a:latin typeface="Calibri"/>
-              </a:rPr>
-              <a:t>Implementación de un Sistema de Gestión Documental</a:t>
-            </a:r>
-          </a:p>
-          <a:p>
-            <a:r>
-              <a:rPr sz="2000">
-                <a:solidFill>
-                  <a:srgbClr val="323232"/>
-                </a:solidFill>
-                <a:latin typeface="Calibri"/>
-              </a:rPr>
-              <a:t> de Procedimientos en el Área de TI</a:t>
+            <a:r>
+              <a:rPr sz="2000" dirty="0" err="1">
+                <a:solidFill>
+                  <a:srgbClr val="323232"/>
+                </a:solidFill>
+                <a:latin typeface="Calibri"/>
+              </a:rPr>
+              <a:t>Implementación</a:t>
+            </a:r>
+            <a:r>
+              <a:rPr sz="2000" dirty="0">
+                <a:solidFill>
+                  <a:srgbClr val="323232"/>
+                </a:solidFill>
+                <a:latin typeface="Calibri"/>
+              </a:rPr>
+              <a:t> de un Sistema de </a:t>
+            </a:r>
+            <a:r>
+              <a:rPr sz="2000" dirty="0" err="1">
+                <a:solidFill>
+                  <a:srgbClr val="323232"/>
+                </a:solidFill>
+                <a:latin typeface="Calibri"/>
+              </a:rPr>
+              <a:t>Gestión</a:t>
+            </a:r>
+            <a:r>
+              <a:rPr sz="2000" dirty="0">
+                <a:solidFill>
+                  <a:srgbClr val="323232"/>
+                </a:solidFill>
+                <a:latin typeface="Calibri"/>
+              </a:rPr>
+              <a:t> Documental</a:t>
+            </a:r>
+          </a:p>
+          <a:p>
+            <a:r>
+              <a:rPr sz="2000" dirty="0">
+                <a:solidFill>
+                  <a:srgbClr val="323232"/>
+                </a:solidFill>
+                <a:latin typeface="Calibri"/>
+              </a:rPr>
+              <a:t> de </a:t>
+            </a:r>
+            <a:r>
+              <a:rPr sz="2000" dirty="0" err="1">
+                <a:solidFill>
+                  <a:srgbClr val="323232"/>
+                </a:solidFill>
+                <a:latin typeface="Calibri"/>
+              </a:rPr>
+              <a:t>Procedimientos</a:t>
+            </a:r>
+            <a:r>
+              <a:rPr sz="2000" dirty="0">
+                <a:solidFill>
+                  <a:srgbClr val="323232"/>
+                </a:solidFill>
+                <a:latin typeface="Calibri"/>
+              </a:rPr>
+              <a:t> en el </a:t>
+            </a:r>
+            <a:r>
+              <a:rPr sz="2000" dirty="0" err="1">
+                <a:solidFill>
+                  <a:srgbClr val="323232"/>
+                </a:solidFill>
+                <a:latin typeface="Calibri"/>
+              </a:rPr>
+              <a:t>Área</a:t>
+            </a:r>
+            <a:r>
+              <a:rPr sz="2000" dirty="0">
+                <a:solidFill>
+                  <a:srgbClr val="323232"/>
+                </a:solidFill>
+                <a:latin typeface="Calibri"/>
+              </a:rPr>
+              <a:t> de TI</a:t>
             </a:r>
           </a:p>
         </p:txBody>
@@ -3436,13 +3498,22 @@
           <a:p>
             <a:pPr algn="l"/>
             <a:r>
-              <a:rPr sz="2000">
-                <a:solidFill>
-                  <a:srgbClr val="323232"/>
-                </a:solidFill>
-                <a:latin typeface="Calibri"/>
-              </a:rPr>
-              <a:t>Introducción / Presentación</a:t>
+              <a:rPr sz="2000" b="1" dirty="0" err="1">
+                <a:solidFill>
+                  <a:srgbClr val="323232"/>
+                </a:solidFill>
+                <a:latin typeface="Calibri"/>
+              </a:rPr>
+              <a:t>Introducción</a:t>
+            </a:r>
+            <a:r>
+              <a:rPr sz="2000" b="1" dirty="0">
+                <a:solidFill>
+                  <a:srgbClr val="323232"/>
+                </a:solidFill>
+                <a:latin typeface="Calibri"/>
+              </a:rPr>
+              <a:t> </a:t>
             </a:r>
           </a:p>
         </p:txBody>
@@ -3464,17 +3535,161 @@
           <a:p>
             <a:pPr algn="l"/>
             <a:r>
-              <a:rPr sz="2000">
-                <a:solidFill>
-                  <a:srgbClr val="323232"/>
-                </a:solidFill>
-                <a:latin typeface="Calibri"/>
-              </a:rPr>
-              <a:t>Actualmente los procedimientos de soporte y mantenimiento se realizan de manera empírica o dispersa.</a:t>
-            </a:r>
-          </a:p>
-          <a:p>
-            <a:endParaRPr sz="2000">
+              <a:rPr sz="2000" dirty="0">
+                <a:solidFill>
+                  <a:srgbClr val="323232"/>
+                </a:solidFill>
+                <a:latin typeface="Calibri"/>
+              </a:rPr>
+              <a:t>Actual Mente </a:t>
+            </a:r>
+            <a:r>
+              <a:rPr sz="2000" dirty="0" err="1">
+                <a:solidFill>
+                  <a:srgbClr val="323232"/>
+                </a:solidFill>
+                <a:latin typeface="Calibri"/>
+              </a:rPr>
+              <a:t>los</a:t>
+            </a:r>
+            <a:r>
+              <a:rPr sz="2000" dirty="0">
+                <a:solidFill>
+                  <a:srgbClr val="323232"/>
+                </a:solidFill>
+                <a:latin typeface="Calibri"/>
+              </a:rPr>
+              <a:t> </a:t>
+            </a:r>
+            <a:r>
+              <a:rPr sz="2000" dirty="0" err="1">
+                <a:solidFill>
+                  <a:srgbClr val="323232"/>
+                </a:solidFill>
+                <a:latin typeface="Calibri"/>
+              </a:rPr>
+              <a:t>procedimientos</a:t>
+            </a:r>
+            <a:r>
+              <a:rPr sz="2000" dirty="0">
+                <a:solidFill>
+                  <a:srgbClr val="323232"/>
+                </a:solidFill>
+                <a:latin typeface="Calibri"/>
+              </a:rPr>
+              <a:t> de </a:t>
+            </a:r>
+            <a:r>
+              <a:rPr sz="2000" dirty="0" err="1">
+                <a:solidFill>
+                  <a:srgbClr val="323232"/>
+                </a:solidFill>
+                <a:latin typeface="Calibri"/>
+              </a:rPr>
+              <a:t>soporte</a:t>
+            </a:r>
+            <a:r>
+              <a:rPr sz="2000" dirty="0">
+                <a:solidFill>
+                  <a:srgbClr val="323232"/>
+                </a:solidFill>
+                <a:latin typeface="Calibri"/>
+              </a:rPr>
+              <a:t> y </a:t>
+            </a:r>
+            <a:r>
+              <a:rPr sz="2000" dirty="0" err="1">
+                <a:solidFill>
+                  <a:srgbClr val="323232"/>
+                </a:solidFill>
+                <a:latin typeface="Calibri"/>
+              </a:rPr>
+              <a:t>mantenimiento</a:t>
+            </a:r>
+            <a:r>
+              <a:rPr sz="2000" dirty="0">
+                <a:solidFill>
+                  <a:srgbClr val="323232"/>
+                </a:solidFill>
+                <a:latin typeface="Calibri"/>
+              </a:rPr>
+              <a:t> se </a:t>
+            </a:r>
+            <a:r>
+              <a:rPr sz="2000" dirty="0" err="1">
+                <a:solidFill>
+                  <a:srgbClr val="323232"/>
+                </a:solidFill>
+                <a:latin typeface="Calibri"/>
+              </a:rPr>
+              <a:t>realizan</a:t>
+            </a:r>
+            <a:r>
+              <a:rPr sz="2000" dirty="0">
+                <a:solidFill>
+                  <a:srgbClr val="323232"/>
+                </a:solidFill>
+                <a:latin typeface="Calibri"/>
+              </a:rPr>
+              <a:t> de </a:t>
+            </a:r>
+            <a:r>
+              <a:rPr sz="2000" dirty="0" err="1">
+                <a:solidFill>
+                  <a:srgbClr val="323232"/>
+                </a:solidFill>
+                <a:latin typeface="Calibri"/>
+              </a:rPr>
+              <a:t>manera</a:t>
+            </a:r>
+            <a:r>
+              <a:rPr sz="2000" dirty="0">
+                <a:solidFill>
+                  <a:srgbClr val="323232"/>
+                </a:solidFill>
+                <a:latin typeface="Calibri"/>
+              </a:rPr>
+              <a:t> </a:t>
+            </a:r>
+            <a:r>
+              <a:rPr sz="2000" dirty="0" err="1">
+                <a:solidFill>
+                  <a:srgbClr val="323232"/>
+                </a:solidFill>
+                <a:latin typeface="Calibri"/>
+              </a:rPr>
+              <a:t>empírica</a:t>
+            </a:r>
+            <a:r>
+              <a:rPr sz="2000" dirty="0">
+                <a:solidFill>
+                  <a:srgbClr val="323232"/>
+                </a:solidFill>
+                <a:latin typeface="Calibri"/>
+              </a:rPr>
+              <a:t> o </a:t>
+            </a:r>
+            <a:r>
+              <a:rPr sz="2000" dirty="0" err="1">
+                <a:solidFill>
+                  <a:srgbClr val="323232"/>
+                </a:solidFill>
+                <a:latin typeface="Calibri"/>
+              </a:rPr>
+              <a:t>dispersa</a:t>
+            </a:r>
+            <a:r>
+              <a:rPr sz="2000" dirty="0">
+                <a:solidFill>
+                  <a:srgbClr val="323232"/>
+                </a:solidFill>
+                <a:latin typeface="Calibri"/>
+              </a:rPr>
+              <a:t>.</a:t>
+            </a:r>
+          </a:p>
+          <a:p>
+            <a:endParaRPr sz="2000" dirty="0">
               <a:solidFill>
                 <a:srgbClr val="323232"/>
               </a:solidFill>
@@ -3483,13 +3698,211 @@
           </a:p>
           <a:p>
             <a:r>
-              <a:rPr sz="2000">
-                <a:solidFill>
-                  <a:srgbClr val="323232"/>
-                </a:solidFill>
-                <a:latin typeface="Calibri"/>
-              </a:rPr>
-              <a:t>La empresa requiere formalizar y centralizar la documentación para optimizar tiempos, reducir errores y garantizar la trazabilidad.</a:t>
+              <a:rPr sz="2000" dirty="0">
+                <a:solidFill>
+                  <a:srgbClr val="323232"/>
+                </a:solidFill>
+                <a:latin typeface="Calibri"/>
+              </a:rPr>
+              <a:t>La </a:t>
+            </a:r>
+            <a:r>
+              <a:rPr sz="2000" dirty="0" err="1">
+                <a:solidFill>
+                  <a:srgbClr val="323232"/>
+                </a:solidFill>
+                <a:latin typeface="Calibri"/>
+              </a:rPr>
+              <a:t>empresa</a:t>
+            </a:r>
+            <a:r>
+              <a:rPr sz="2000" dirty="0">
+                <a:solidFill>
+                  <a:srgbClr val="323232"/>
+                </a:solidFill>
+                <a:latin typeface="Calibri"/>
+              </a:rPr>
+              <a:t> </a:t>
+            </a:r>
+            <a:r>
+              <a:rPr sz="2000" dirty="0" err="1">
+                <a:solidFill>
+                  <a:srgbClr val="323232"/>
+                </a:solidFill>
+                <a:latin typeface="Calibri"/>
+              </a:rPr>
+              <a:t>requiere</a:t>
+            </a:r>
+            <a:r>
+              <a:rPr sz="2000" dirty="0">
+                <a:solidFill>
+                  <a:srgbClr val="323232"/>
+                </a:solidFill>
+                <a:latin typeface="Calibri"/>
+              </a:rPr>
+              <a:t> </a:t>
+            </a:r>
+            <a:r>
+              <a:rPr sz="2000" dirty="0" err="1">
+                <a:solidFill>
+                  <a:srgbClr val="323232"/>
+                </a:solidFill>
+                <a:latin typeface="Calibri"/>
+              </a:rPr>
+              <a:t>formalizar</a:t>
+            </a:r>
+            <a:r>
+              <a:rPr sz="2000" dirty="0">
+                <a:solidFill>
+                  <a:srgbClr val="323232"/>
+                </a:solidFill>
+                <a:latin typeface="Calibri"/>
+              </a:rPr>
+              <a:t> y </a:t>
+            </a:r>
+            <a:r>
+              <a:rPr sz="2000" dirty="0" err="1">
+                <a:solidFill>
+                  <a:srgbClr val="323232"/>
+                </a:solidFill>
+                <a:latin typeface="Calibri"/>
+              </a:rPr>
+              <a:t>centralizar</a:t>
+            </a:r>
+            <a:r>
+              <a:rPr sz="2000" dirty="0">
+                <a:solidFill>
+                  <a:srgbClr val="323232"/>
+                </a:solidFill>
+                <a:latin typeface="Calibri"/>
+              </a:rPr>
+              <a:t> la </a:t>
+            </a:r>
+            <a:r>
+              <a:rPr sz="2000" dirty="0" err="1">
+                <a:solidFill>
+                  <a:srgbClr val="323232"/>
+                </a:solidFill>
+                <a:latin typeface="Calibri"/>
+              </a:rPr>
+              <a:t>documentación</a:t>
+            </a:r>
+            <a:r>
+              <a:rPr sz="2000" dirty="0">
+                <a:solidFill>
+                  <a:srgbClr val="323232"/>
+                </a:solidFill>
+                <a:latin typeface="Calibri"/>
+              </a:rPr>
+              <a:t> para </a:t>
+            </a:r>
+            <a:r>
+              <a:rPr sz="2000" dirty="0" err="1">
+                <a:solidFill>
+                  <a:srgbClr val="323232"/>
+                </a:solidFill>
+                <a:latin typeface="Calibri"/>
+              </a:rPr>
+              <a:t>optimizar</a:t>
+            </a:r>
+            <a:r>
+              <a:rPr sz="2000" dirty="0">
+                <a:solidFill>
+                  <a:srgbClr val="323232"/>
+                </a:solidFill>
+                <a:latin typeface="Calibri"/>
+              </a:rPr>
+              <a:t> </a:t>
+            </a:r>
+            <a:r>
+              <a:rPr sz="2000" dirty="0" err="1">
+                <a:solidFill>
+                  <a:srgbClr val="323232"/>
+                </a:solidFill>
+                <a:latin typeface="Calibri"/>
+              </a:rPr>
+              <a:t>tiempos</a:t>
+            </a:r>
+            <a:r>
+              <a:rPr sz="2000" dirty="0">
+                <a:solidFill>
+                  <a:srgbClr val="323232"/>
+                </a:solidFill>
+                <a:latin typeface="Calibri"/>
+              </a:rPr>
+              <a:t>, </a:t>
+            </a:r>
+            <a:r>
+              <a:rPr sz="2000" dirty="0" err="1">
+                <a:solidFill>
+                  <a:srgbClr val="323232"/>
+                </a:solidFill>
+                <a:latin typeface="Calibri"/>
+              </a:rPr>
+              <a:t>reducir</a:t>
+            </a:r>
+            <a:r>
+              <a:rPr sz="2000" dirty="0">
+                <a:solidFill>
+                  <a:srgbClr val="323232"/>
+                </a:solidFill>
+                <a:latin typeface="Calibri"/>
+              </a:rPr>
+              <a:t> </a:t>
+            </a:r>
+            <a:r>
+              <a:rPr sz="2000" dirty="0" err="1">
+                <a:solidFill>
+                  <a:srgbClr val="323232"/>
+                </a:solidFill>
+                <a:latin typeface="Calibri"/>
+              </a:rPr>
+              <a:t>errores</a:t>
+            </a:r>
+            <a:r>
+              <a:rPr sz="2000" dirty="0">
+                <a:solidFill>
+                  <a:srgbClr val="323232"/>
+                </a:solidFill>
+                <a:latin typeface="Calibri"/>
+              </a:rPr>
+              <a:t> y </a:t>
+            </a:r>
+            <a:r>
+              <a:rPr sz="2000" dirty="0" err="1">
+                <a:solidFill>
+                  <a:srgbClr val="323232"/>
+                </a:solidFill>
+                <a:latin typeface="Calibri"/>
+              </a:rPr>
+              <a:t>garantizar</a:t>
+            </a:r>
+            <a:r>
+              <a:rPr sz="2000" dirty="0">
+                <a:solidFill>
+                  <a:srgbClr val="323232"/>
+                </a:solidFill>
+                <a:latin typeface="Calibri"/>
+              </a:rPr>
+              <a:t> la </a:t>
+            </a:r>
+            <a:r>
+              <a:rPr sz="2000" dirty="0" err="1">
+                <a:solidFill>
+                  <a:srgbClr val="323232"/>
+                </a:solidFill>
+                <a:latin typeface="Calibri"/>
+              </a:rPr>
+              <a:t>trazabilidad</a:t>
+            </a:r>
+            <a:r>
+              <a:rPr sz="2000" dirty="0">
+                <a:solidFill>
+                  <a:srgbClr val="323232"/>
+                </a:solidFill>
+                <a:latin typeface="Calibri"/>
+              </a:rPr>
+              <a:t>.</a:t>
             </a:r>
           </a:p>
         </p:txBody>
@@ -4245,21 +4658,50 @@
             <p:ph type="title"/>
           </p:nvPr>
         </p:nvSpPr>
-        <p:spPr/>
+        <p:spPr>
+          <a:xfrm>
+            <a:off x="457200" y="296410"/>
+            <a:ext cx="8229600" cy="1143000"/>
+          </a:xfrm>
+        </p:spPr>
         <p:txBody>
           <a:bodyPr/>
           <a:lstStyle/>
           <a:p>
             <a:pPr algn="l"/>
             <a:r>
-              <a:rPr sz="2000">
-                <a:solidFill>
-                  <a:srgbClr val="323232"/>
-                </a:solidFill>
-                <a:latin typeface="Calibri"/>
-              </a:rPr>
-              <a:t>Descripción del Problema</a:t>
-            </a:r>
+              <a:rPr sz="2000" b="1" dirty="0" err="1">
+                <a:solidFill>
+                  <a:srgbClr val="323232"/>
+                </a:solidFill>
+                <a:latin typeface="Calibri"/>
+              </a:rPr>
+              <a:t>Descripción</a:t>
+            </a:r>
+            <a:r>
+              <a:rPr sz="2000" b="1" dirty="0">
+                <a:solidFill>
+                  <a:srgbClr val="323232"/>
+                </a:solidFill>
+                <a:latin typeface="Calibri"/>
+              </a:rPr>
+              <a:t> del </a:t>
+            </a:r>
+            <a:r>
+              <a:rPr sz="2000" b="1" dirty="0" err="1">
+                <a:solidFill>
+                  <a:srgbClr val="323232"/>
+                </a:solidFill>
+                <a:latin typeface="Calibri"/>
+              </a:rPr>
+              <a:t>Problema</a:t>
+            </a:r>
+            <a:endParaRPr sz="2000" b="1" dirty="0">
+              <a:solidFill>
+                <a:srgbClr val="323232"/>
+              </a:solidFill>
+              <a:latin typeface="Calibri"/>
+            </a:endParaRPr>
           </a:p>
         </p:txBody>
       </p:sp>
@@ -4446,7 +4888,7 @@
           <a:p>
             <a:pPr algn="l"/>
             <a:r>
-              <a:rPr sz="2000">
+              <a:rPr sz="2000" b="1" dirty="0" err="1">
                 <a:solidFill>
                   <a:srgbClr val="323232"/>
                 </a:solidFill>
@@ -4454,6 +4896,12 @@
               </a:rPr>
               <a:t>Justificación</a:t>
             </a:r>
+            <a:endParaRPr sz="2000" b="1" dirty="0">
+              <a:solidFill>
+                <a:srgbClr val="323232"/>
+              </a:solidFill>
+              <a:latin typeface="Calibri"/>
+            </a:endParaRPr>
           </a:p>
         </p:txBody>
       </p:sp>
@@ -4651,14 +5099,38 @@
           <a:p>
             <a:pPr algn="l"/>
             <a:r>
-              <a:rPr sz="2000">
-                <a:solidFill>
-                  <a:srgbClr val="323232"/>
-                </a:solidFill>
-                <a:latin typeface="Calibri"/>
-              </a:rPr>
-              <a:t>Análisis de Viabilidad</a:t>
-            </a:r>
+              <a:rPr sz="2000" b="1" dirty="0" err="1">
+                <a:solidFill>
+                  <a:srgbClr val="323232"/>
+                </a:solidFill>
+                <a:latin typeface="Calibri"/>
+              </a:rPr>
+              <a:t>Análisis</a:t>
+            </a:r>
+            <a:r>
+              <a:rPr sz="2000" b="1" dirty="0">
+                <a:solidFill>
+                  <a:srgbClr val="323232"/>
+                </a:solidFill>
+                <a:latin typeface="Calibri"/>
+              </a:rPr>
+              <a:t> de </a:t>
+            </a:r>
+            <a:r>
+              <a:rPr sz="2000" b="1" dirty="0" err="1">
+                <a:solidFill>
+                  <a:srgbClr val="323232"/>
+                </a:solidFill>
+                <a:latin typeface="Calibri"/>
+              </a:rPr>
+              <a:t>Viabilidad</a:t>
+            </a:r>
+            <a:endParaRPr sz="2000" b="1" dirty="0">
+              <a:solidFill>
+                <a:srgbClr val="323232"/>
+              </a:solidFill>
+              <a:latin typeface="Calibri"/>
+            </a:endParaRPr>
           </a:p>
         </p:txBody>
       </p:sp>
@@ -4856,13 +5328,40 @@
           <a:p>
             <a:pPr algn="l"/>
             <a:r>
-              <a:rPr sz="2000">
-                <a:solidFill>
-                  <a:srgbClr val="323232"/>
-                </a:solidFill>
-                <a:latin typeface="Calibri"/>
-              </a:rPr>
-              <a:t>Diagnóstico del Área de TI (FODA)</a:t>
+              <a:rPr sz="2000" b="1" dirty="0" err="1">
+                <a:solidFill>
+                  <a:srgbClr val="323232"/>
+                </a:solidFill>
+                <a:latin typeface="Calibri"/>
+              </a:rPr>
+              <a:t>Diagnóstico</a:t>
+            </a:r>
+            <a:r>
+              <a:rPr sz="2000" b="1" dirty="0">
+                <a:solidFill>
+                  <a:srgbClr val="323232"/>
+                </a:solidFill>
+                <a:latin typeface="Calibri"/>
+              </a:rPr>
+              <a:t> del </a:t>
+            </a:r>
+            <a:r>
+              <a:rPr sz="2000" b="1" dirty="0" err="1">
+                <a:solidFill>
+                  <a:srgbClr val="323232"/>
+                </a:solidFill>
+                <a:latin typeface="Calibri"/>
+              </a:rPr>
+              <a:t>Área</a:t>
+            </a:r>
+            <a:r>
+              <a:rPr sz="2000" b="1" dirty="0">
+                <a:solidFill>
+                  <a:srgbClr val="323232"/>
+                </a:solidFill>
+                <a:latin typeface="Calibri"/>
+              </a:rPr>
+              <a:t> de TI </a:t>
             </a:r>
           </a:p>
         </p:txBody>
@@ -5061,14 +5560,38 @@
           <a:p>
             <a:pPr algn="l"/>
             <a:r>
-              <a:rPr sz="2000">
-                <a:solidFill>
-                  <a:srgbClr val="323232"/>
-                </a:solidFill>
-                <a:latin typeface="Calibri"/>
-              </a:rPr>
-              <a:t>Cronograma de Actividades</a:t>
-            </a:r>
+              <a:rPr sz="2000" b="1" dirty="0" err="1">
+                <a:solidFill>
+                  <a:srgbClr val="323232"/>
+                </a:solidFill>
+                <a:latin typeface="Calibri"/>
+              </a:rPr>
+              <a:t>Cronograma</a:t>
+            </a:r>
+            <a:r>
+              <a:rPr sz="2000" b="1" dirty="0">
+                <a:solidFill>
+                  <a:srgbClr val="323232"/>
+                </a:solidFill>
+                <a:latin typeface="Calibri"/>
+              </a:rPr>
+              <a:t> de </a:t>
+            </a:r>
+            <a:r>
+              <a:rPr sz="2000" b="1" dirty="0" err="1">
+                <a:solidFill>
+                  <a:srgbClr val="323232"/>
+                </a:solidFill>
+                <a:latin typeface="Calibri"/>
+              </a:rPr>
+              <a:t>Actividades</a:t>
+            </a:r>
+            <a:endParaRPr sz="2000" b="1" dirty="0">
+              <a:solidFill>
+                <a:srgbClr val="323232"/>
+              </a:solidFill>
+              <a:latin typeface="Calibri"/>
+            </a:endParaRPr>
           </a:p>
         </p:txBody>
       </p:sp>
@@ -5299,13 +5822,22 @@
           <a:p>
             <a:pPr algn="l"/>
             <a:r>
-              <a:rPr sz="2000">
-                <a:solidFill>
-                  <a:srgbClr val="323232"/>
-                </a:solidFill>
-                <a:latin typeface="Calibri"/>
-              </a:rPr>
-              <a:t>Próximos Pasos</a:t>
+              <a:rPr sz="2000" b="1" dirty="0" err="1">
+                <a:solidFill>
+                  <a:srgbClr val="323232"/>
+                </a:solidFill>
+                <a:latin typeface="Calibri"/>
+              </a:rPr>
+              <a:t>Próximos</a:t>
+            </a:r>
+            <a:r>
+              <a:rPr sz="2000" b="1" dirty="0">
+                <a:solidFill>
+                  <a:srgbClr val="323232"/>
+                </a:solidFill>
+                <a:latin typeface="Calibri"/>
+              </a:rPr>
+              <a:t> Pasos</a:t>
             </a:r>
           </a:p>
         </p:txBody>

--- a/propuesta/Presentacion_PlanMejora_TI_Empresa.pptx
+++ b/propuesta/Presentacion_PlanMejora_TI_Empresa.pptx
@@ -3119,87 +3119,24 @@
           <a:lstStyle/>
           <a:p>
             <a:r>
-              <a:rPr sz="2000" dirty="0" err="1">
+              <a:rPr lang="es-CO" sz="2000" noProof="0" dirty="0">
                 <a:solidFill>
                   <a:srgbClr val="323232"/>
                 </a:solidFill>
                 <a:latin typeface="Calibri"/>
               </a:rPr>
-              <a:t>Implementación</a:t>
-            </a:r>
-            <a:r>
-              <a:rPr sz="2000" dirty="0">
+              <a:t>Implementación de un Sistema de Gestión Documental</a:t>
+            </a:r>
+          </a:p>
+          <a:p>
+            <a:r>
+              <a:rPr lang="es-CO" sz="2000" noProof="0" dirty="0">
                 <a:solidFill>
                   <a:srgbClr val="323232"/>
                 </a:solidFill>
                 <a:latin typeface="Calibri"/>
               </a:rPr>
-              <a:t> de un Sistema de </a:t>
-            </a:r>
-            <a:r>
-              <a:rPr sz="2000" dirty="0" err="1">
-                <a:solidFill>
-                  <a:srgbClr val="323232"/>
-                </a:solidFill>
-                <a:latin typeface="Calibri"/>
-              </a:rPr>
-              <a:t>Gestión</a:t>
-            </a:r>
-            <a:r>
-              <a:rPr sz="2000" dirty="0">
-                <a:solidFill>
-                  <a:srgbClr val="323232"/>
-                </a:solidFill>
-                <a:latin typeface="Calibri"/>
-              </a:rPr>
-              <a:t> Documental</a:t>
-            </a:r>
-          </a:p>
-          <a:p>
-            <a:r>
-              <a:rPr sz="2000" dirty="0">
-                <a:solidFill>
-                  <a:srgbClr val="323232"/>
-                </a:solidFill>
-                <a:latin typeface="Calibri"/>
-              </a:rPr>
-              <a:t> de </a:t>
-            </a:r>
-            <a:r>
-              <a:rPr sz="2000" dirty="0" err="1">
-                <a:solidFill>
-                  <a:srgbClr val="323232"/>
-                </a:solidFill>
-                <a:latin typeface="Calibri"/>
-              </a:rPr>
-              <a:t>Procedimientos</a:t>
-            </a:r>
-            <a:r>
-              <a:rPr sz="2000" dirty="0">
-                <a:solidFill>
-                  <a:srgbClr val="323232"/>
-                </a:solidFill>
-                <a:latin typeface="Calibri"/>
-              </a:rPr>
-              <a:t> en el </a:t>
-            </a:r>
-            <a:r>
-              <a:rPr sz="2000" dirty="0" err="1">
-                <a:solidFill>
-                  <a:srgbClr val="323232"/>
-                </a:solidFill>
-                <a:latin typeface="Calibri"/>
-              </a:rPr>
-              <a:t>Área</a:t>
-            </a:r>
-            <a:r>
-              <a:rPr sz="2000" dirty="0">
-                <a:solidFill>
-                  <a:srgbClr val="323232"/>
-                </a:solidFill>
-                <a:latin typeface="Calibri"/>
-              </a:rPr>
-              <a:t> de TI</a:t>
+              <a:t> de Procedimientos en el Área de TI</a:t>
             </a:r>
           </a:p>
         </p:txBody>
@@ -3214,7 +3151,12 @@
             <p:ph type="subTitle" idx="1"/>
           </p:nvPr>
         </p:nvSpPr>
-        <p:spPr/>
+        <p:spPr>
+          <a:xfrm>
+            <a:off x="1371600" y="3897086"/>
+            <a:ext cx="6400800" cy="1752600"/>
+          </a:xfrm>
+        </p:spPr>
         <p:txBody>
           <a:bodyPr>
             <a:normAutofit lnSpcReduction="10000"/>
@@ -3222,42 +3164,18 @@
           <a:lstStyle/>
           <a:p>
             <a:r>
-              <a:rPr sz="2000" dirty="0" err="1">
+              <a:rPr lang="es-CO" sz="2000" noProof="0" dirty="0">
                 <a:solidFill>
                   <a:srgbClr val="323232"/>
                 </a:solidFill>
                 <a:latin typeface="Calibri"/>
               </a:rPr>
-              <a:t>Propuesta</a:t>
-            </a:r>
-            <a:r>
-              <a:rPr sz="2000" dirty="0">
-                <a:solidFill>
-                  <a:srgbClr val="323232"/>
-                </a:solidFill>
-                <a:latin typeface="Calibri"/>
-              </a:rPr>
-              <a:t> de Plan de </a:t>
-            </a:r>
-            <a:r>
-              <a:rPr sz="2000" dirty="0" err="1">
-                <a:solidFill>
-                  <a:srgbClr val="323232"/>
-                </a:solidFill>
-                <a:latin typeface="Calibri"/>
-              </a:rPr>
-              <a:t>Mejora</a:t>
-            </a:r>
-            <a:endParaRPr sz="2000" dirty="0">
-              <a:solidFill>
-                <a:srgbClr val="323232"/>
-              </a:solidFill>
-              <a:latin typeface="Calibri"/>
-            </a:endParaRPr>
-          </a:p>
-          <a:p>
-            <a:r>
-              <a:rPr lang="es-MX" sz="2000" dirty="0">
+              <a:t>Propuesta de Plan de Mejora</a:t>
+            </a:r>
+          </a:p>
+          <a:p>
+            <a:r>
+              <a:rPr lang="es-CO" sz="2000" noProof="0" dirty="0">
                 <a:solidFill>
                   <a:srgbClr val="323232"/>
                 </a:solidFill>
@@ -3268,102 +3186,24 @@
           </a:p>
           <a:p>
             <a:r>
-              <a:rPr lang="es-MX" sz="2000" dirty="0">
+              <a:rPr lang="es-CO" sz="2000" noProof="0" dirty="0">
                 <a:solidFill>
                   <a:srgbClr val="323232"/>
                 </a:solidFill>
                 <a:latin typeface="Calibri"/>
               </a:rPr>
-              <a:t>de Aplicaciones de Software </a:t>
-            </a:r>
-            <a:r>
-              <a:rPr sz="2000" dirty="0">
+              <a:t>de Aplicaciones de Software :Carlos Andrés Quintero Quintero</a:t>
+            </a:r>
+          </a:p>
+          <a:p>
+            <a:r>
+              <a:rPr lang="es-CO" sz="2000" noProof="0" dirty="0">
                 <a:solidFill>
                   <a:srgbClr val="323232"/>
                 </a:solidFill>
                 <a:latin typeface="Calibri"/>
               </a:rPr>
-              <a:t>:</a:t>
-            </a:r>
-            <a:r>
-              <a:rPr lang="es-CO" sz="2000" dirty="0">
-                <a:solidFill>
-                  <a:srgbClr val="323232"/>
-                </a:solidFill>
-                <a:latin typeface="Calibri"/>
-              </a:rPr>
-              <a:t>Carlos</a:t>
-            </a:r>
-            <a:r>
-              <a:rPr sz="2000" dirty="0">
-                <a:solidFill>
-                  <a:srgbClr val="323232"/>
-                </a:solidFill>
-                <a:latin typeface="Calibri"/>
-              </a:rPr>
-              <a:t> Andrés</a:t>
-            </a:r>
-            <a:r>
-              <a:rPr lang="es-CO" sz="2000" dirty="0">
-                <a:solidFill>
-                  <a:srgbClr val="323232"/>
-                </a:solidFill>
-                <a:latin typeface="Calibri"/>
-              </a:rPr>
-              <a:t> Quintero </a:t>
-            </a:r>
-            <a:r>
-              <a:rPr lang="es-CO" sz="2000" dirty="0" err="1">
-                <a:solidFill>
-                  <a:srgbClr val="323232"/>
-                </a:solidFill>
-                <a:latin typeface="Calibri"/>
-              </a:rPr>
-              <a:t>Quintero</a:t>
-            </a:r>
-            <a:endParaRPr sz="2000" dirty="0">
-              <a:solidFill>
-                <a:srgbClr val="323232"/>
-              </a:solidFill>
-              <a:latin typeface="Calibri"/>
-            </a:endParaRPr>
-          </a:p>
-          <a:p>
-            <a:r>
-              <a:rPr sz="2000" dirty="0" err="1">
-                <a:solidFill>
-                  <a:srgbClr val="323232"/>
-                </a:solidFill>
-                <a:latin typeface="Calibri"/>
-              </a:rPr>
-              <a:t>Fecha</a:t>
-            </a:r>
-            <a:r>
-              <a:rPr sz="2000" dirty="0">
-                <a:solidFill>
-                  <a:srgbClr val="323232"/>
-                </a:solidFill>
-                <a:latin typeface="Calibri"/>
-              </a:rPr>
-              <a:t>: </a:t>
-            </a:r>
-            <a:r>
-              <a:rPr sz="2000" dirty="0" err="1">
-                <a:solidFill>
-                  <a:srgbClr val="323232"/>
-                </a:solidFill>
-                <a:latin typeface="Calibri"/>
-              </a:rPr>
-              <a:t>Septiembre</a:t>
-            </a:r>
-            <a:r>
-              <a:rPr sz="2000" dirty="0">
-                <a:solidFill>
-                  <a:srgbClr val="323232"/>
-                </a:solidFill>
-                <a:latin typeface="Calibri"/>
-              </a:rPr>
-              <a:t> 2025</a:t>
+              <a:t>Fecha: Septiembre 2025</a:t>
             </a:r>
           </a:p>
         </p:txBody>
@@ -3408,7 +3248,7 @@
           <a:lstStyle/>
           <a:p>
             <a:pPr algn="ctr"/>
-            <a:endParaRPr/>
+            <a:endParaRPr lang="es-CO" noProof="0" dirty="0"/>
           </a:p>
         </p:txBody>
       </p:sp>
@@ -3452,7 +3292,7 @@
           <a:lstStyle/>
           <a:p>
             <a:pPr algn="ctr"/>
-            <a:endParaRPr/>
+            <a:endParaRPr lang="es-CO" noProof="0" dirty="0"/>
           </a:p>
         </p:txBody>
       </p:sp>
@@ -3498,198 +3338,45 @@
           <a:p>
             <a:pPr algn="l"/>
             <a:r>
-              <a:rPr sz="2000" b="1" dirty="0" err="1">
+              <a:rPr lang="es-CO" sz="2000" b="1" noProof="0" dirty="0">
                 <a:solidFill>
                   <a:srgbClr val="323232"/>
                 </a:solidFill>
                 <a:latin typeface="Calibri"/>
               </a:rPr>
-              <a:t>Introducción</a:t>
-            </a:r>
-            <a:r>
-              <a:rPr sz="2000" b="1" dirty="0">
+              <a:t>Introducción </a:t>
+            </a:r>
+          </a:p>
+        </p:txBody>
+      </p:sp>
+      <p:sp>
+        <p:nvSpPr>
+          <p:cNvPr id="3" name="Content Placeholder 2"/>
+          <p:cNvSpPr>
+            <a:spLocks noGrp="1"/>
+          </p:cNvSpPr>
+          <p:nvPr>
+            <p:ph idx="1"/>
+          </p:nvPr>
+        </p:nvSpPr>
+        <p:spPr/>
+        <p:txBody>
+          <a:bodyPr/>
+          <a:lstStyle/>
+          <a:p>
+            <a:pPr algn="l"/>
+            <a:r>
+              <a:rPr lang="es-CO" sz="2000" noProof="0" dirty="0">
                 <a:solidFill>
                   <a:srgbClr val="323232"/>
                 </a:solidFill>
                 <a:latin typeface="Calibri"/>
               </a:rPr>
-              <a:t> </a:t>
-            </a:r>
-          </a:p>
-        </p:txBody>
-      </p:sp>
-      <p:sp>
-        <p:nvSpPr>
-          <p:cNvPr id="3" name="Content Placeholder 2"/>
-          <p:cNvSpPr>
-            <a:spLocks noGrp="1"/>
-          </p:cNvSpPr>
-          <p:nvPr>
-            <p:ph idx="1"/>
-          </p:nvPr>
-        </p:nvSpPr>
-        <p:spPr/>
-        <p:txBody>
-          <a:bodyPr/>
-          <a:lstStyle/>
-          <a:p>
-            <a:pPr algn="l"/>
-            <a:r>
-              <a:rPr sz="2000" dirty="0">
-                <a:solidFill>
-                  <a:srgbClr val="323232"/>
-                </a:solidFill>
-                <a:latin typeface="Calibri"/>
-              </a:rPr>
-              <a:t>Actual Mente </a:t>
-            </a:r>
-            <a:r>
-              <a:rPr sz="2000" dirty="0" err="1">
-                <a:solidFill>
-                  <a:srgbClr val="323232"/>
-                </a:solidFill>
-                <a:latin typeface="Calibri"/>
-              </a:rPr>
-              <a:t>los</a:t>
-            </a:r>
-            <a:r>
-              <a:rPr sz="2000" dirty="0">
-                <a:solidFill>
-                  <a:srgbClr val="323232"/>
-                </a:solidFill>
-                <a:latin typeface="Calibri"/>
-              </a:rPr>
-              <a:t> </a:t>
-            </a:r>
-            <a:r>
-              <a:rPr sz="2000" dirty="0" err="1">
-                <a:solidFill>
-                  <a:srgbClr val="323232"/>
-                </a:solidFill>
-                <a:latin typeface="Calibri"/>
-              </a:rPr>
-              <a:t>procedimientos</a:t>
-            </a:r>
-            <a:r>
-              <a:rPr sz="2000" dirty="0">
-                <a:solidFill>
-                  <a:srgbClr val="323232"/>
-                </a:solidFill>
-                <a:latin typeface="Calibri"/>
-              </a:rPr>
-              <a:t> de </a:t>
-            </a:r>
-            <a:r>
-              <a:rPr sz="2000" dirty="0" err="1">
-                <a:solidFill>
-                  <a:srgbClr val="323232"/>
-                </a:solidFill>
-                <a:latin typeface="Calibri"/>
-              </a:rPr>
-              <a:t>soporte</a:t>
-            </a:r>
-            <a:r>
-              <a:rPr sz="2000" dirty="0">
-                <a:solidFill>
-                  <a:srgbClr val="323232"/>
-                </a:solidFill>
-                <a:latin typeface="Calibri"/>
-              </a:rPr>
-              <a:t> y </a:t>
-            </a:r>
-            <a:r>
-              <a:rPr sz="2000" dirty="0" err="1">
-                <a:solidFill>
-                  <a:srgbClr val="323232"/>
-                </a:solidFill>
-                <a:latin typeface="Calibri"/>
-              </a:rPr>
-              <a:t>mantenimiento</a:t>
-            </a:r>
-            <a:r>
-              <a:rPr sz="2000" dirty="0">
-                <a:solidFill>
-                  <a:srgbClr val="323232"/>
-                </a:solidFill>
-                <a:latin typeface="Calibri"/>
-              </a:rPr>
-              <a:t> se </a:t>
-            </a:r>
-            <a:r>
-              <a:rPr sz="2000" dirty="0" err="1">
-                <a:solidFill>
-                  <a:srgbClr val="323232"/>
-                </a:solidFill>
-                <a:latin typeface="Calibri"/>
-              </a:rPr>
-              <a:t>realizan</a:t>
-            </a:r>
-            <a:r>
-              <a:rPr sz="2000" dirty="0">
-                <a:solidFill>
-                  <a:srgbClr val="323232"/>
-                </a:solidFill>
-                <a:latin typeface="Calibri"/>
-              </a:rPr>
-              <a:t> de </a:t>
-            </a:r>
-            <a:r>
-              <a:rPr sz="2000" dirty="0" err="1">
-                <a:solidFill>
-                  <a:srgbClr val="323232"/>
-                </a:solidFill>
-                <a:latin typeface="Calibri"/>
-              </a:rPr>
-              <a:t>manera</a:t>
-            </a:r>
-            <a:r>
-              <a:rPr sz="2000" dirty="0">
-                <a:solidFill>
-                  <a:srgbClr val="323232"/>
-                </a:solidFill>
-                <a:latin typeface="Calibri"/>
-              </a:rPr>
-              <a:t> </a:t>
-            </a:r>
-            <a:r>
-              <a:rPr sz="2000" dirty="0" err="1">
-                <a:solidFill>
-                  <a:srgbClr val="323232"/>
-                </a:solidFill>
-                <a:latin typeface="Calibri"/>
-              </a:rPr>
-              <a:t>empírica</a:t>
-            </a:r>
-            <a:r>
-              <a:rPr sz="2000" dirty="0">
-                <a:solidFill>
-                  <a:srgbClr val="323232"/>
-                </a:solidFill>
-                <a:latin typeface="Calibri"/>
-              </a:rPr>
-              <a:t> o </a:t>
-            </a:r>
-            <a:r>
-              <a:rPr sz="2000" dirty="0" err="1">
-                <a:solidFill>
-                  <a:srgbClr val="323232"/>
-                </a:solidFill>
-                <a:latin typeface="Calibri"/>
-              </a:rPr>
-              <a:t>dispersa</a:t>
-            </a:r>
-            <a:r>
-              <a:rPr sz="2000" dirty="0">
-                <a:solidFill>
-                  <a:srgbClr val="323232"/>
-                </a:solidFill>
-                <a:latin typeface="Calibri"/>
-              </a:rPr>
-              <a:t>.</a:t>
-            </a:r>
-          </a:p>
-          <a:p>
-            <a:endParaRPr sz="2000" dirty="0">
+              <a:t>Actual Mente los procedimientos de soporte y mantenimiento se realizan de manera empírica o dispersa.</a:t>
+            </a:r>
+          </a:p>
+          <a:p>
+            <a:endParaRPr lang="es-CO" sz="2000" noProof="0" dirty="0">
               <a:solidFill>
                 <a:srgbClr val="323232"/>
               </a:solidFill>
@@ -3698,211 +3385,13 @@
           </a:p>
           <a:p>
             <a:r>
-              <a:rPr sz="2000" dirty="0">
+              <a:rPr lang="es-CO" sz="2000" noProof="0" dirty="0">
                 <a:solidFill>
                   <a:srgbClr val="323232"/>
                 </a:solidFill>
                 <a:latin typeface="Calibri"/>
               </a:rPr>
-              <a:t>La </a:t>
-            </a:r>
-            <a:r>
-              <a:rPr sz="2000" dirty="0" err="1">
-                <a:solidFill>
-                  <a:srgbClr val="323232"/>
-                </a:solidFill>
-                <a:latin typeface="Calibri"/>
-              </a:rPr>
-              <a:t>empresa</a:t>
-            </a:r>
-            <a:r>
-              <a:rPr sz="2000" dirty="0">
-                <a:solidFill>
-                  <a:srgbClr val="323232"/>
-                </a:solidFill>
-                <a:latin typeface="Calibri"/>
-              </a:rPr>
-              <a:t> </a:t>
-            </a:r>
-            <a:r>
-              <a:rPr sz="2000" dirty="0" err="1">
-                <a:solidFill>
-                  <a:srgbClr val="323232"/>
-                </a:solidFill>
-                <a:latin typeface="Calibri"/>
-              </a:rPr>
-              <a:t>requiere</a:t>
-            </a:r>
-            <a:r>
-              <a:rPr sz="2000" dirty="0">
-                <a:solidFill>
-                  <a:srgbClr val="323232"/>
-                </a:solidFill>
-                <a:latin typeface="Calibri"/>
-              </a:rPr>
-              <a:t> </a:t>
-            </a:r>
-            <a:r>
-              <a:rPr sz="2000" dirty="0" err="1">
-                <a:solidFill>
-                  <a:srgbClr val="323232"/>
-                </a:solidFill>
-                <a:latin typeface="Calibri"/>
-              </a:rPr>
-              <a:t>formalizar</a:t>
-            </a:r>
-            <a:r>
-              <a:rPr sz="2000" dirty="0">
-                <a:solidFill>
-                  <a:srgbClr val="323232"/>
-                </a:solidFill>
-                <a:latin typeface="Calibri"/>
-              </a:rPr>
-              <a:t> y </a:t>
-            </a:r>
-            <a:r>
-              <a:rPr sz="2000" dirty="0" err="1">
-                <a:solidFill>
-                  <a:srgbClr val="323232"/>
-                </a:solidFill>
-                <a:latin typeface="Calibri"/>
-              </a:rPr>
-              <a:t>centralizar</a:t>
-            </a:r>
-            <a:r>
-              <a:rPr sz="2000" dirty="0">
-                <a:solidFill>
-                  <a:srgbClr val="323232"/>
-                </a:solidFill>
-                <a:latin typeface="Calibri"/>
-              </a:rPr>
-              <a:t> la </a:t>
-            </a:r>
-            <a:r>
-              <a:rPr sz="2000" dirty="0" err="1">
-                <a:solidFill>
-                  <a:srgbClr val="323232"/>
-                </a:solidFill>
-                <a:latin typeface="Calibri"/>
-              </a:rPr>
-              <a:t>documentación</a:t>
-            </a:r>
-            <a:r>
-              <a:rPr sz="2000" dirty="0">
-                <a:solidFill>
-                  <a:srgbClr val="323232"/>
-                </a:solidFill>
-                <a:latin typeface="Calibri"/>
-              </a:rPr>
-              <a:t> para </a:t>
-            </a:r>
-            <a:r>
-              <a:rPr sz="2000" dirty="0" err="1">
-                <a:solidFill>
-                  <a:srgbClr val="323232"/>
-                </a:solidFill>
-                <a:latin typeface="Calibri"/>
-              </a:rPr>
-              <a:t>optimizar</a:t>
-            </a:r>
-            <a:r>
-              <a:rPr sz="2000" dirty="0">
-                <a:solidFill>
-                  <a:srgbClr val="323232"/>
-                </a:solidFill>
-                <a:latin typeface="Calibri"/>
-              </a:rPr>
-              <a:t> </a:t>
-            </a:r>
-            <a:r>
-              <a:rPr sz="2000" dirty="0" err="1">
-                <a:solidFill>
-                  <a:srgbClr val="323232"/>
-                </a:solidFill>
-                <a:latin typeface="Calibri"/>
-              </a:rPr>
-              <a:t>tiempos</a:t>
-            </a:r>
-            <a:r>
-              <a:rPr sz="2000" dirty="0">
-                <a:solidFill>
-                  <a:srgbClr val="323232"/>
-                </a:solidFill>
-                <a:latin typeface="Calibri"/>
-              </a:rPr>
-              <a:t>, </a:t>
-            </a:r>
-            <a:r>
-              <a:rPr sz="2000" dirty="0" err="1">
-                <a:solidFill>
-                  <a:srgbClr val="323232"/>
-                </a:solidFill>
-                <a:latin typeface="Calibri"/>
-              </a:rPr>
-              <a:t>reducir</a:t>
-            </a:r>
-            <a:r>
-              <a:rPr sz="2000" dirty="0">
-                <a:solidFill>
-                  <a:srgbClr val="323232"/>
-                </a:solidFill>
-                <a:latin typeface="Calibri"/>
-              </a:rPr>
-              <a:t> </a:t>
-            </a:r>
-            <a:r>
-              <a:rPr sz="2000" dirty="0" err="1">
-                <a:solidFill>
-                  <a:srgbClr val="323232"/>
-                </a:solidFill>
-                <a:latin typeface="Calibri"/>
-              </a:rPr>
-              <a:t>errores</a:t>
-            </a:r>
-            <a:r>
-              <a:rPr sz="2000" dirty="0">
-                <a:solidFill>
-                  <a:srgbClr val="323232"/>
-                </a:solidFill>
-                <a:latin typeface="Calibri"/>
-              </a:rPr>
-              <a:t> y </a:t>
-            </a:r>
-            <a:r>
-              <a:rPr sz="2000" dirty="0" err="1">
-                <a:solidFill>
-                  <a:srgbClr val="323232"/>
-                </a:solidFill>
-                <a:latin typeface="Calibri"/>
-              </a:rPr>
-              <a:t>garantizar</a:t>
-            </a:r>
-            <a:r>
-              <a:rPr sz="2000" dirty="0">
-                <a:solidFill>
-                  <a:srgbClr val="323232"/>
-                </a:solidFill>
-                <a:latin typeface="Calibri"/>
-              </a:rPr>
-              <a:t> la </a:t>
-            </a:r>
-            <a:r>
-              <a:rPr sz="2000" dirty="0" err="1">
-                <a:solidFill>
-                  <a:srgbClr val="323232"/>
-                </a:solidFill>
-                <a:latin typeface="Calibri"/>
-              </a:rPr>
-              <a:t>trazabilidad</a:t>
-            </a:r>
-            <a:r>
-              <a:rPr sz="2000" dirty="0">
-                <a:solidFill>
-                  <a:srgbClr val="323232"/>
-                </a:solidFill>
-                <a:latin typeface="Calibri"/>
-              </a:rPr>
-              <a:t>.</a:t>
+              <a:t>La empresa requiere formalizar y centralizar la documentación para optimizar tiempos, reducir errores y garantizar la trazabilidad.</a:t>
             </a:r>
           </a:p>
         </p:txBody>
@@ -3947,7 +3436,7 @@
           <a:lstStyle/>
           <a:p>
             <a:pPr algn="ctr"/>
-            <a:endParaRPr/>
+            <a:endParaRPr lang="es-CO" noProof="0" dirty="0"/>
           </a:p>
         </p:txBody>
       </p:sp>
@@ -3991,7 +3480,7 @@
           <a:lstStyle/>
           <a:p>
             <a:pPr algn="ctr"/>
-            <a:endParaRPr/>
+            <a:endParaRPr lang="es-CO" noProof="0" dirty="0"/>
           </a:p>
         </p:txBody>
       </p:sp>
@@ -4037,7 +3526,7 @@
           <a:p>
             <a:pPr algn="l"/>
             <a:r>
-              <a:rPr sz="2000" b="1" dirty="0" err="1">
+              <a:rPr lang="es-CO" sz="2000" b="1" noProof="0" dirty="0">
                 <a:solidFill>
                   <a:srgbClr val="323232"/>
                 </a:solidFill>
@@ -4045,12 +3534,6 @@
               </a:rPr>
               <a:t>Objetivos</a:t>
             </a:r>
-            <a:endParaRPr sz="2000" b="1" dirty="0">
-              <a:solidFill>
-                <a:srgbClr val="323232"/>
-              </a:solidFill>
-              <a:latin typeface="Calibri"/>
-            </a:endParaRPr>
           </a:p>
         </p:txBody>
       </p:sp>
@@ -4073,7 +3556,7 @@
               <a:buNone/>
             </a:pPr>
             <a:r>
-              <a:rPr sz="2000" b="1" dirty="0">
+              <a:rPr lang="es-CO" sz="2000" b="1" noProof="0" dirty="0">
                 <a:solidFill>
                   <a:srgbClr val="323232"/>
                 </a:solidFill>
@@ -4084,453 +3567,57 @@
           </a:p>
           <a:p>
             <a:r>
-              <a:rPr sz="2000" dirty="0" err="1">
+              <a:rPr lang="es-CO" sz="2000" noProof="0" dirty="0">
                 <a:solidFill>
                   <a:srgbClr val="323232"/>
                 </a:solidFill>
                 <a:latin typeface="Calibri"/>
               </a:rPr>
-              <a:t>Diseñar</a:t>
-            </a:r>
-            <a:r>
-              <a:rPr sz="2000" dirty="0">
+              <a:t>Diseñar e implementar un sistema de gestión documental.</a:t>
+            </a:r>
+          </a:p>
+          <a:p>
+            <a:r>
+              <a:rPr lang="es-CO" sz="2000" noProof="0" dirty="0">
                 <a:solidFill>
                   <a:srgbClr val="323232"/>
                 </a:solidFill>
                 <a:latin typeface="Calibri"/>
               </a:rPr>
-              <a:t> e </a:t>
-            </a:r>
-            <a:r>
-              <a:rPr sz="2000" dirty="0" err="1">
+              <a:t>Identificar y documentar los procesos actuales.</a:t>
+            </a:r>
+          </a:p>
+          <a:p>
+            <a:r>
+              <a:rPr lang="es-CO" sz="2000" noProof="0" dirty="0">
                 <a:solidFill>
                   <a:srgbClr val="323232"/>
                 </a:solidFill>
                 <a:latin typeface="Calibri"/>
               </a:rPr>
-              <a:t>implementar</a:t>
-            </a:r>
-            <a:r>
-              <a:rPr sz="2000" dirty="0">
+              <a:t>Desarrollar un prototipo en Visual Studio con base de datos.</a:t>
+            </a:r>
+          </a:p>
+          <a:p>
+            <a:r>
+              <a:rPr lang="es-CO" sz="2000" noProof="0" dirty="0">
                 <a:solidFill>
                   <a:srgbClr val="323232"/>
                 </a:solidFill>
                 <a:latin typeface="Calibri"/>
               </a:rPr>
-              <a:t> un </a:t>
-            </a:r>
-            <a:r>
-              <a:rPr sz="2000" dirty="0" err="1">
+              <a:t>Capacitar al personal en el uso del sistema.</a:t>
+            </a:r>
+          </a:p>
+          <a:p>
+            <a:r>
+              <a:rPr lang="es-CO" sz="2000" noProof="0" dirty="0">
                 <a:solidFill>
                   <a:srgbClr val="323232"/>
                 </a:solidFill>
                 <a:latin typeface="Calibri"/>
               </a:rPr>
-              <a:t>sistema</a:t>
-            </a:r>
-            <a:r>
-              <a:rPr sz="2000" dirty="0">
-                <a:solidFill>
-                  <a:srgbClr val="323232"/>
-                </a:solidFill>
-                <a:latin typeface="Calibri"/>
-              </a:rPr>
-              <a:t> de </a:t>
-            </a:r>
-            <a:r>
-              <a:rPr sz="2000" dirty="0" err="1">
-                <a:solidFill>
-                  <a:srgbClr val="323232"/>
-                </a:solidFill>
-                <a:latin typeface="Calibri"/>
-              </a:rPr>
-              <a:t>gestión</a:t>
-            </a:r>
-            <a:r>
-              <a:rPr sz="2000" dirty="0">
-                <a:solidFill>
-                  <a:srgbClr val="323232"/>
-                </a:solidFill>
-                <a:latin typeface="Calibri"/>
-              </a:rPr>
-              <a:t> documental.</a:t>
-            </a:r>
-          </a:p>
-          <a:p>
-            <a:r>
-              <a:rPr sz="2000" dirty="0" err="1">
-                <a:solidFill>
-                  <a:srgbClr val="323232"/>
-                </a:solidFill>
-                <a:latin typeface="Calibri"/>
-              </a:rPr>
-              <a:t>Identificar</a:t>
-            </a:r>
-            <a:r>
-              <a:rPr sz="2000" dirty="0">
-                <a:solidFill>
-                  <a:srgbClr val="323232"/>
-                </a:solidFill>
-                <a:latin typeface="Calibri"/>
-              </a:rPr>
-              <a:t> y </a:t>
-            </a:r>
-            <a:r>
-              <a:rPr sz="2000" dirty="0" err="1">
-                <a:solidFill>
-                  <a:srgbClr val="323232"/>
-                </a:solidFill>
-                <a:latin typeface="Calibri"/>
-              </a:rPr>
-              <a:t>documentar</a:t>
-            </a:r>
-            <a:r>
-              <a:rPr sz="2000" dirty="0">
-                <a:solidFill>
-                  <a:srgbClr val="323232"/>
-                </a:solidFill>
-                <a:latin typeface="Calibri"/>
-              </a:rPr>
-              <a:t> </a:t>
-            </a:r>
-            <a:r>
-              <a:rPr sz="2000" dirty="0" err="1">
-                <a:solidFill>
-                  <a:srgbClr val="323232"/>
-                </a:solidFill>
-                <a:latin typeface="Calibri"/>
-              </a:rPr>
-              <a:t>los</a:t>
-            </a:r>
-            <a:r>
-              <a:rPr sz="2000" dirty="0">
-                <a:solidFill>
-                  <a:srgbClr val="323232"/>
-                </a:solidFill>
-                <a:latin typeface="Calibri"/>
-              </a:rPr>
-              <a:t> </a:t>
-            </a:r>
-            <a:r>
-              <a:rPr sz="2000" dirty="0" err="1">
-                <a:solidFill>
-                  <a:srgbClr val="323232"/>
-                </a:solidFill>
-                <a:latin typeface="Calibri"/>
-              </a:rPr>
-              <a:t>procesos</a:t>
-            </a:r>
-            <a:r>
-              <a:rPr sz="2000" dirty="0">
-                <a:solidFill>
-                  <a:srgbClr val="323232"/>
-                </a:solidFill>
-                <a:latin typeface="Calibri"/>
-              </a:rPr>
-              <a:t> </a:t>
-            </a:r>
-            <a:r>
-              <a:rPr sz="2000" dirty="0" err="1">
-                <a:solidFill>
-                  <a:srgbClr val="323232"/>
-                </a:solidFill>
-                <a:latin typeface="Calibri"/>
-              </a:rPr>
-              <a:t>actuales</a:t>
-            </a:r>
-            <a:r>
-              <a:rPr sz="2000" dirty="0">
-                <a:solidFill>
-                  <a:srgbClr val="323232"/>
-                </a:solidFill>
-                <a:latin typeface="Calibri"/>
-              </a:rPr>
-              <a:t>.</a:t>
-            </a:r>
-          </a:p>
-          <a:p>
-            <a:r>
-              <a:rPr sz="2000" dirty="0" err="1">
-                <a:solidFill>
-                  <a:srgbClr val="323232"/>
-                </a:solidFill>
-                <a:latin typeface="Calibri"/>
-              </a:rPr>
-              <a:t>Desarrollar</a:t>
-            </a:r>
-            <a:r>
-              <a:rPr sz="2000" dirty="0">
-                <a:solidFill>
-                  <a:srgbClr val="323232"/>
-                </a:solidFill>
-                <a:latin typeface="Calibri"/>
-              </a:rPr>
-              <a:t> un </a:t>
-            </a:r>
-            <a:r>
-              <a:rPr sz="2000" dirty="0" err="1">
-                <a:solidFill>
-                  <a:srgbClr val="323232"/>
-                </a:solidFill>
-                <a:latin typeface="Calibri"/>
-              </a:rPr>
-              <a:t>prototipo</a:t>
-            </a:r>
-            <a:r>
-              <a:rPr sz="2000" dirty="0">
-                <a:solidFill>
-                  <a:srgbClr val="323232"/>
-                </a:solidFill>
-                <a:latin typeface="Calibri"/>
-              </a:rPr>
-              <a:t> </a:t>
-            </a:r>
-            <a:r>
-              <a:rPr sz="2000" dirty="0" err="1">
-                <a:solidFill>
-                  <a:srgbClr val="323232"/>
-                </a:solidFill>
-                <a:latin typeface="Calibri"/>
-              </a:rPr>
-              <a:t>en</a:t>
-            </a:r>
-            <a:r>
-              <a:rPr sz="2000" dirty="0">
-                <a:solidFill>
-                  <a:srgbClr val="323232"/>
-                </a:solidFill>
-                <a:latin typeface="Calibri"/>
-              </a:rPr>
-              <a:t> Visual Studio con base de </a:t>
-            </a:r>
-            <a:r>
-              <a:rPr sz="2000" dirty="0" err="1">
-                <a:solidFill>
-                  <a:srgbClr val="323232"/>
-                </a:solidFill>
-                <a:latin typeface="Calibri"/>
-              </a:rPr>
-              <a:t>datos</a:t>
-            </a:r>
-            <a:r>
-              <a:rPr sz="2000" dirty="0">
-                <a:solidFill>
-                  <a:srgbClr val="323232"/>
-                </a:solidFill>
-                <a:latin typeface="Calibri"/>
-              </a:rPr>
-              <a:t>.</a:t>
-            </a:r>
-          </a:p>
-          <a:p>
-            <a:r>
-              <a:rPr sz="2000" dirty="0" err="1">
-                <a:solidFill>
-                  <a:srgbClr val="323232"/>
-                </a:solidFill>
-                <a:latin typeface="Calibri"/>
-              </a:rPr>
-              <a:t>Capacitar</a:t>
-            </a:r>
-            <a:r>
-              <a:rPr sz="2000" dirty="0">
-                <a:solidFill>
-                  <a:srgbClr val="323232"/>
-                </a:solidFill>
-                <a:latin typeface="Calibri"/>
-              </a:rPr>
-              <a:t> al personal </a:t>
-            </a:r>
-            <a:r>
-              <a:rPr sz="2000" dirty="0" err="1">
-                <a:solidFill>
-                  <a:srgbClr val="323232"/>
-                </a:solidFill>
-                <a:latin typeface="Calibri"/>
-              </a:rPr>
-              <a:t>en</a:t>
-            </a:r>
-            <a:r>
-              <a:rPr sz="2000" dirty="0">
-                <a:solidFill>
-                  <a:srgbClr val="323232"/>
-                </a:solidFill>
-                <a:latin typeface="Calibri"/>
-              </a:rPr>
-              <a:t> </a:t>
-            </a:r>
-            <a:r>
-              <a:rPr sz="2000" dirty="0" err="1">
-                <a:solidFill>
-                  <a:srgbClr val="323232"/>
-                </a:solidFill>
-                <a:latin typeface="Calibri"/>
-              </a:rPr>
-              <a:t>el</a:t>
-            </a:r>
-            <a:r>
-              <a:rPr sz="2000" dirty="0">
-                <a:solidFill>
-                  <a:srgbClr val="323232"/>
-                </a:solidFill>
-                <a:latin typeface="Calibri"/>
-              </a:rPr>
-              <a:t> </a:t>
-            </a:r>
-            <a:r>
-              <a:rPr sz="2000" dirty="0" err="1">
-                <a:solidFill>
-                  <a:srgbClr val="323232"/>
-                </a:solidFill>
-                <a:latin typeface="Calibri"/>
-              </a:rPr>
-              <a:t>uso</a:t>
-            </a:r>
-            <a:r>
-              <a:rPr sz="2000" dirty="0">
-                <a:solidFill>
-                  <a:srgbClr val="323232"/>
-                </a:solidFill>
-                <a:latin typeface="Calibri"/>
-              </a:rPr>
-              <a:t> del </a:t>
-            </a:r>
-            <a:r>
-              <a:rPr sz="2000" dirty="0" err="1">
-                <a:solidFill>
-                  <a:srgbClr val="323232"/>
-                </a:solidFill>
-                <a:latin typeface="Calibri"/>
-              </a:rPr>
-              <a:t>sistema</a:t>
-            </a:r>
-            <a:r>
-              <a:rPr sz="2000" dirty="0">
-                <a:solidFill>
-                  <a:srgbClr val="323232"/>
-                </a:solidFill>
-                <a:latin typeface="Calibri"/>
-              </a:rPr>
-              <a:t>.</a:t>
-            </a:r>
-          </a:p>
-          <a:p>
-            <a:r>
-              <a:rPr sz="2000" dirty="0">
-                <a:solidFill>
-                  <a:srgbClr val="323232"/>
-                </a:solidFill>
-                <a:latin typeface="Calibri"/>
-              </a:rPr>
-              <a:t>Validar </a:t>
-            </a:r>
-            <a:r>
-              <a:rPr sz="2000" dirty="0" err="1">
-                <a:solidFill>
-                  <a:srgbClr val="323232"/>
-                </a:solidFill>
-                <a:latin typeface="Calibri"/>
-              </a:rPr>
-              <a:t>mejoras</a:t>
-            </a:r>
-            <a:r>
-              <a:rPr sz="2000" dirty="0">
-                <a:solidFill>
-                  <a:srgbClr val="323232"/>
-                </a:solidFill>
-                <a:latin typeface="Calibri"/>
-              </a:rPr>
-              <a:t> </a:t>
-            </a:r>
-            <a:r>
-              <a:rPr sz="2000" dirty="0" err="1">
-                <a:solidFill>
-                  <a:srgbClr val="323232"/>
-                </a:solidFill>
-                <a:latin typeface="Calibri"/>
-              </a:rPr>
-              <a:t>en</a:t>
-            </a:r>
-            <a:r>
-              <a:rPr sz="2000" dirty="0">
-                <a:solidFill>
-                  <a:srgbClr val="323232"/>
-                </a:solidFill>
-                <a:latin typeface="Calibri"/>
-              </a:rPr>
-              <a:t> </a:t>
-            </a:r>
-            <a:r>
-              <a:rPr sz="2000" dirty="0" err="1">
-                <a:solidFill>
-                  <a:srgbClr val="323232"/>
-                </a:solidFill>
-                <a:latin typeface="Calibri"/>
-              </a:rPr>
-              <a:t>tiempos</a:t>
-            </a:r>
-            <a:r>
-              <a:rPr sz="2000" dirty="0">
-                <a:solidFill>
-                  <a:srgbClr val="323232"/>
-                </a:solidFill>
-                <a:latin typeface="Calibri"/>
-              </a:rPr>
-              <a:t> de </a:t>
-            </a:r>
-            <a:r>
-              <a:rPr sz="2000" dirty="0" err="1">
-                <a:solidFill>
-                  <a:srgbClr val="323232"/>
-                </a:solidFill>
-                <a:latin typeface="Calibri"/>
-              </a:rPr>
-              <a:t>atención</a:t>
-            </a:r>
-            <a:r>
-              <a:rPr sz="2000" dirty="0">
-                <a:solidFill>
-                  <a:srgbClr val="323232"/>
-                </a:solidFill>
-                <a:latin typeface="Calibri"/>
-              </a:rPr>
-              <a:t> y </a:t>
-            </a:r>
-            <a:r>
-              <a:rPr sz="2000" dirty="0" err="1">
-                <a:solidFill>
-                  <a:srgbClr val="323232"/>
-                </a:solidFill>
-                <a:latin typeface="Calibri"/>
-              </a:rPr>
-              <a:t>calidad</a:t>
-            </a:r>
-            <a:r>
-              <a:rPr sz="2000" dirty="0">
-                <a:solidFill>
-                  <a:srgbClr val="323232"/>
-                </a:solidFill>
-                <a:latin typeface="Calibri"/>
-              </a:rPr>
-              <a:t> del </a:t>
-            </a:r>
-            <a:r>
-              <a:rPr sz="2000" dirty="0" err="1">
-                <a:solidFill>
-                  <a:srgbClr val="323232"/>
-                </a:solidFill>
-                <a:latin typeface="Calibri"/>
-              </a:rPr>
-              <a:t>servicio</a:t>
-            </a:r>
-            <a:r>
-              <a:rPr sz="2000" dirty="0">
-                <a:solidFill>
-                  <a:srgbClr val="323232"/>
-                </a:solidFill>
-                <a:latin typeface="Calibri"/>
-              </a:rPr>
-              <a:t>.</a:t>
+              <a:t>Validar mejoras en tiempos de atención y calidad del servicio.</a:t>
             </a:r>
           </a:p>
         </p:txBody>
@@ -4575,7 +3662,7 @@
           <a:lstStyle/>
           <a:p>
             <a:pPr algn="ctr"/>
-            <a:endParaRPr/>
+            <a:endParaRPr lang="es-CO" noProof="0" dirty="0"/>
           </a:p>
         </p:txBody>
       </p:sp>
@@ -4619,7 +3706,7 @@
           <a:lstStyle/>
           <a:p>
             <a:pPr algn="ctr"/>
-            <a:endParaRPr/>
+            <a:endParaRPr lang="es-CO" noProof="0" dirty="0"/>
           </a:p>
         </p:txBody>
       </p:sp>
@@ -4670,38 +3757,14 @@
           <a:p>
             <a:pPr algn="l"/>
             <a:r>
-              <a:rPr sz="2000" b="1" dirty="0" err="1">
+              <a:rPr lang="es-CO" sz="2000" b="1" noProof="0" dirty="0">
                 <a:solidFill>
                   <a:srgbClr val="323232"/>
                 </a:solidFill>
                 <a:latin typeface="Calibri"/>
               </a:rPr>
-              <a:t>Descripción</a:t>
-            </a:r>
-            <a:r>
-              <a:rPr sz="2000" b="1" dirty="0">
-                <a:solidFill>
-                  <a:srgbClr val="323232"/>
-                </a:solidFill>
-                <a:latin typeface="Calibri"/>
-              </a:rPr>
-              <a:t> del </a:t>
-            </a:r>
-            <a:r>
-              <a:rPr sz="2000" b="1" dirty="0" err="1">
-                <a:solidFill>
-                  <a:srgbClr val="323232"/>
-                </a:solidFill>
-                <a:latin typeface="Calibri"/>
-              </a:rPr>
-              <a:t>Problema</a:t>
-            </a:r>
-            <a:endParaRPr sz="2000" b="1" dirty="0">
-              <a:solidFill>
-                <a:srgbClr val="323232"/>
-              </a:solidFill>
-              <a:latin typeface="Calibri"/>
-            </a:endParaRPr>
+              <a:t>Descripción del Problema</a:t>
+            </a:r>
           </a:p>
         </p:txBody>
       </p:sp>
@@ -4721,11 +3784,11 @@
           <a:lstStyle/>
           <a:p>
             <a:pPr algn="l"/>
-            <a:endParaRPr/>
-          </a:p>
-          <a:p>
-            <a:r>
-              <a:rPr sz="2000">
+            <a:endParaRPr lang="es-CO" noProof="0" dirty="0"/>
+          </a:p>
+          <a:p>
+            <a:r>
+              <a:rPr lang="es-CO" sz="2000" noProof="0" dirty="0">
                 <a:solidFill>
                   <a:srgbClr val="323232"/>
                 </a:solidFill>
@@ -4736,7 +3799,7 @@
           </a:p>
           <a:p>
             <a:r>
-              <a:rPr sz="2000">
+              <a:rPr lang="es-CO" sz="2000" noProof="0" dirty="0">
                 <a:solidFill>
                   <a:srgbClr val="323232"/>
                 </a:solidFill>
@@ -4747,7 +3810,7 @@
           </a:p>
           <a:p>
             <a:r>
-              <a:rPr sz="2000">
+              <a:rPr lang="es-CO" sz="2000" noProof="0" dirty="0">
                 <a:solidFill>
                   <a:srgbClr val="323232"/>
                 </a:solidFill>
@@ -4798,7 +3861,7 @@
           <a:lstStyle/>
           <a:p>
             <a:pPr algn="ctr"/>
-            <a:endParaRPr/>
+            <a:endParaRPr lang="es-CO" noProof="0" dirty="0"/>
           </a:p>
         </p:txBody>
       </p:sp>
@@ -4842,7 +3905,7 @@
           <a:lstStyle/>
           <a:p>
             <a:pPr algn="ctr"/>
-            <a:endParaRPr/>
+            <a:endParaRPr lang="es-CO" noProof="0" dirty="0"/>
           </a:p>
         </p:txBody>
       </p:sp>
@@ -4888,7 +3951,7 @@
           <a:p>
             <a:pPr algn="l"/>
             <a:r>
-              <a:rPr sz="2000" b="1" dirty="0" err="1">
+              <a:rPr lang="es-CO" sz="2000" b="1" noProof="0" dirty="0">
                 <a:solidFill>
                   <a:srgbClr val="323232"/>
                 </a:solidFill>
@@ -4896,12 +3959,6 @@
               </a:rPr>
               <a:t>Justificación</a:t>
             </a:r>
-            <a:endParaRPr sz="2000" b="1" dirty="0">
-              <a:solidFill>
-                <a:srgbClr val="323232"/>
-              </a:solidFill>
-              <a:latin typeface="Calibri"/>
-            </a:endParaRPr>
           </a:p>
         </p:txBody>
       </p:sp>
@@ -4921,11 +3978,11 @@
           <a:lstStyle/>
           <a:p>
             <a:pPr algn="l"/>
-            <a:endParaRPr/>
-          </a:p>
-          <a:p>
-            <a:r>
-              <a:rPr sz="2000">
+            <a:endParaRPr lang="es-CO" noProof="0" dirty="0"/>
+          </a:p>
+          <a:p>
+            <a:r>
+              <a:rPr lang="es-CO" sz="2000" noProof="0" dirty="0">
                 <a:solidFill>
                   <a:srgbClr val="323232"/>
                 </a:solidFill>
@@ -4936,7 +3993,7 @@
           </a:p>
           <a:p>
             <a:r>
-              <a:rPr sz="2000">
+              <a:rPr lang="es-CO" sz="2000" noProof="0" dirty="0">
                 <a:solidFill>
                   <a:srgbClr val="323232"/>
                 </a:solidFill>
@@ -4947,7 +4004,7 @@
           </a:p>
           <a:p>
             <a:r>
-              <a:rPr sz="2000">
+              <a:rPr lang="es-CO" sz="2000" noProof="0" dirty="0">
                 <a:solidFill>
                   <a:srgbClr val="323232"/>
                 </a:solidFill>
@@ -4958,7 +4015,7 @@
           </a:p>
           <a:p>
             <a:r>
-              <a:rPr sz="2000">
+              <a:rPr lang="es-CO" sz="2000" noProof="0" dirty="0">
                 <a:solidFill>
                   <a:srgbClr val="323232"/>
                 </a:solidFill>
@@ -5009,7 +4066,7 @@
           <a:lstStyle/>
           <a:p>
             <a:pPr algn="ctr"/>
-            <a:endParaRPr/>
+            <a:endParaRPr lang="es-CO" noProof="0" dirty="0"/>
           </a:p>
         </p:txBody>
       </p:sp>
@@ -5053,7 +4110,7 @@
           <a:lstStyle/>
           <a:p>
             <a:pPr algn="ctr"/>
-            <a:endParaRPr/>
+            <a:endParaRPr lang="es-CO" noProof="0" dirty="0"/>
           </a:p>
         </p:txBody>
       </p:sp>
@@ -5099,38 +4156,14 @@
           <a:p>
             <a:pPr algn="l"/>
             <a:r>
-              <a:rPr sz="2000" b="1" dirty="0" err="1">
+              <a:rPr lang="es-CO" sz="2000" b="1" noProof="0" dirty="0">
                 <a:solidFill>
                   <a:srgbClr val="323232"/>
                 </a:solidFill>
                 <a:latin typeface="Calibri"/>
               </a:rPr>
-              <a:t>Análisis</a:t>
-            </a:r>
-            <a:r>
-              <a:rPr sz="2000" b="1" dirty="0">
-                <a:solidFill>
-                  <a:srgbClr val="323232"/>
-                </a:solidFill>
-                <a:latin typeface="Calibri"/>
-              </a:rPr>
-              <a:t> de </a:t>
-            </a:r>
-            <a:r>
-              <a:rPr sz="2000" b="1" dirty="0" err="1">
-                <a:solidFill>
-                  <a:srgbClr val="323232"/>
-                </a:solidFill>
-                <a:latin typeface="Calibri"/>
-              </a:rPr>
-              <a:t>Viabilidad</a:t>
-            </a:r>
-            <a:endParaRPr sz="2000" b="1" dirty="0">
-              <a:solidFill>
-                <a:srgbClr val="323232"/>
-              </a:solidFill>
-              <a:latin typeface="Calibri"/>
-            </a:endParaRPr>
+              <a:t>Análisis de Viabilidad</a:t>
+            </a:r>
           </a:p>
         </p:txBody>
       </p:sp>
@@ -5150,11 +4183,11 @@
           <a:lstStyle/>
           <a:p>
             <a:pPr algn="l"/>
-            <a:endParaRPr/>
-          </a:p>
-          <a:p>
-            <a:r>
-              <a:rPr sz="2000">
+            <a:endParaRPr lang="es-CO" noProof="0" dirty="0"/>
+          </a:p>
+          <a:p>
+            <a:r>
+              <a:rPr lang="es-CO" sz="2000" noProof="0" dirty="0">
                 <a:solidFill>
                   <a:srgbClr val="323232"/>
                 </a:solidFill>
@@ -5165,7 +4198,7 @@
           </a:p>
           <a:p>
             <a:r>
-              <a:rPr sz="2000">
+              <a:rPr lang="es-CO" sz="2000" noProof="0" dirty="0">
                 <a:solidFill>
                   <a:srgbClr val="323232"/>
                 </a:solidFill>
@@ -5176,7 +4209,7 @@
           </a:p>
           <a:p>
             <a:r>
-              <a:rPr sz="2000">
+              <a:rPr lang="es-CO" sz="2000" noProof="0" dirty="0">
                 <a:solidFill>
                   <a:srgbClr val="323232"/>
                 </a:solidFill>
@@ -5187,7 +4220,7 @@
           </a:p>
           <a:p>
             <a:r>
-              <a:rPr sz="2000">
+              <a:rPr lang="es-CO" sz="2000" noProof="0" dirty="0">
                 <a:solidFill>
                   <a:srgbClr val="323232"/>
                 </a:solidFill>
@@ -5238,7 +4271,7 @@
           <a:lstStyle/>
           <a:p>
             <a:pPr algn="ctr"/>
-            <a:endParaRPr/>
+            <a:endParaRPr lang="es-CO" noProof="0" dirty="0"/>
           </a:p>
         </p:txBody>
       </p:sp>
@@ -5282,7 +4315,7 @@
           <a:lstStyle/>
           <a:p>
             <a:pPr algn="ctr"/>
-            <a:endParaRPr/>
+            <a:endParaRPr lang="es-CO" noProof="0" dirty="0"/>
           </a:p>
         </p:txBody>
       </p:sp>
@@ -5328,40 +4361,13 @@
           <a:p>
             <a:pPr algn="l"/>
             <a:r>
-              <a:rPr sz="2000" b="1" dirty="0" err="1">
+              <a:rPr lang="es-CO" sz="2000" b="1" noProof="0" dirty="0">
                 <a:solidFill>
                   <a:srgbClr val="323232"/>
                 </a:solidFill>
                 <a:latin typeface="Calibri"/>
               </a:rPr>
-              <a:t>Diagnóstico</a:t>
-            </a:r>
-            <a:r>
-              <a:rPr sz="2000" b="1" dirty="0">
-                <a:solidFill>
-                  <a:srgbClr val="323232"/>
-                </a:solidFill>
-                <a:latin typeface="Calibri"/>
-              </a:rPr>
-              <a:t> del </a:t>
-            </a:r>
-            <a:r>
-              <a:rPr sz="2000" b="1" dirty="0" err="1">
-                <a:solidFill>
-                  <a:srgbClr val="323232"/>
-                </a:solidFill>
-                <a:latin typeface="Calibri"/>
-              </a:rPr>
-              <a:t>Área</a:t>
-            </a:r>
-            <a:r>
-              <a:rPr sz="2000" b="1" dirty="0">
-                <a:solidFill>
-                  <a:srgbClr val="323232"/>
-                </a:solidFill>
-                <a:latin typeface="Calibri"/>
-              </a:rPr>
-              <a:t> de TI </a:t>
+              <a:t>Diagnóstico del Área de TI </a:t>
             </a:r>
           </a:p>
         </p:txBody>
@@ -5382,11 +4388,11 @@
           <a:lstStyle/>
           <a:p>
             <a:pPr algn="l"/>
-            <a:endParaRPr/>
-          </a:p>
-          <a:p>
-            <a:r>
-              <a:rPr sz="2000">
+            <a:endParaRPr lang="es-CO" noProof="0" dirty="0"/>
+          </a:p>
+          <a:p>
+            <a:r>
+              <a:rPr lang="es-CO" sz="2000" noProof="0" dirty="0">
                 <a:solidFill>
                   <a:srgbClr val="323232"/>
                 </a:solidFill>
@@ -5397,7 +4403,7 @@
           </a:p>
           <a:p>
             <a:r>
-              <a:rPr sz="2000">
+              <a:rPr lang="es-CO" sz="2000" noProof="0" dirty="0">
                 <a:solidFill>
                   <a:srgbClr val="323232"/>
                 </a:solidFill>
@@ -5408,7 +4414,7 @@
           </a:p>
           <a:p>
             <a:r>
-              <a:rPr sz="2000">
+              <a:rPr lang="es-CO" sz="2000" noProof="0" dirty="0">
                 <a:solidFill>
                   <a:srgbClr val="323232"/>
                 </a:solidFill>
@@ -5419,7 +4425,7 @@
           </a:p>
           <a:p>
             <a:r>
-              <a:rPr sz="2000">
+              <a:rPr lang="es-CO" sz="2000" noProof="0" dirty="0">
                 <a:solidFill>
                   <a:srgbClr val="323232"/>
                 </a:solidFill>
@@ -5470,7 +4476,7 @@
           <a:lstStyle/>
           <a:p>
             <a:pPr algn="ctr"/>
-            <a:endParaRPr/>
+            <a:endParaRPr lang="es-CO" noProof="0" dirty="0"/>
           </a:p>
         </p:txBody>
       </p:sp>
@@ -5514,7 +4520,7 @@
           <a:lstStyle/>
           <a:p>
             <a:pPr algn="ctr"/>
-            <a:endParaRPr/>
+            <a:endParaRPr lang="es-CO" noProof="0" dirty="0"/>
           </a:p>
         </p:txBody>
       </p:sp>
@@ -5560,73 +4566,67 @@
           <a:p>
             <a:pPr algn="l"/>
             <a:r>
-              <a:rPr sz="2000" b="1" dirty="0" err="1">
+              <a:rPr lang="es-CO" sz="2000" b="1" noProof="0" dirty="0">
                 <a:solidFill>
                   <a:srgbClr val="323232"/>
                 </a:solidFill>
                 <a:latin typeface="Calibri"/>
               </a:rPr>
-              <a:t>Cronograma</a:t>
-            </a:r>
-            <a:r>
-              <a:rPr sz="2000" b="1" dirty="0">
+              <a:t>Cronograma de Actividades</a:t>
+            </a:r>
+          </a:p>
+        </p:txBody>
+      </p:sp>
+      <p:sp>
+        <p:nvSpPr>
+          <p:cNvPr id="3" name="Content Placeholder 2"/>
+          <p:cNvSpPr>
+            <a:spLocks noGrp="1"/>
+          </p:cNvSpPr>
+          <p:nvPr>
+            <p:ph idx="1"/>
+          </p:nvPr>
+        </p:nvSpPr>
+        <p:spPr/>
+        <p:txBody>
+          <a:bodyPr/>
+          <a:lstStyle/>
+          <a:p>
+            <a:pPr algn="l"/>
+            <a:endParaRPr lang="es-CO" noProof="0" dirty="0"/>
+          </a:p>
+          <a:p>
+            <a:r>
+              <a:rPr lang="es-CO" sz="2000" noProof="0" dirty="0">
                 <a:solidFill>
                   <a:srgbClr val="323232"/>
                 </a:solidFill>
                 <a:latin typeface="Calibri"/>
               </a:rPr>
-              <a:t> de </a:t>
-            </a:r>
-            <a:r>
-              <a:rPr sz="2000" b="1" dirty="0" err="1">
+              <a:t>Levantamiento de información: 30 </a:t>
+            </a:r>
+            <a:r>
+              <a:rPr lang="es-CO" sz="2000" noProof="0" dirty="0" err="1">
                 <a:solidFill>
                   <a:srgbClr val="323232"/>
                 </a:solidFill>
                 <a:latin typeface="Calibri"/>
               </a:rPr>
-              <a:t>Actividades</a:t>
-            </a:r>
-            <a:endParaRPr sz="2000" b="1" dirty="0">
-              <a:solidFill>
-                <a:srgbClr val="323232"/>
-              </a:solidFill>
-              <a:latin typeface="Calibri"/>
-            </a:endParaRPr>
-          </a:p>
-        </p:txBody>
-      </p:sp>
-      <p:sp>
-        <p:nvSpPr>
-          <p:cNvPr id="3" name="Content Placeholder 2"/>
-          <p:cNvSpPr>
-            <a:spLocks noGrp="1"/>
-          </p:cNvSpPr>
-          <p:nvPr>
-            <p:ph idx="1"/>
-          </p:nvPr>
-        </p:nvSpPr>
-        <p:spPr/>
-        <p:txBody>
-          <a:bodyPr/>
-          <a:lstStyle/>
-          <a:p>
-            <a:pPr algn="l"/>
-            <a:endParaRPr/>
-          </a:p>
-          <a:p>
-            <a:r>
-              <a:rPr sz="2000">
+              <a:t>sep</a:t>
+            </a:r>
+            <a:r>
+              <a:rPr lang="es-CO" sz="2000" noProof="0" dirty="0">
                 <a:solidFill>
                   <a:srgbClr val="323232"/>
                 </a:solidFill>
                 <a:latin typeface="Calibri"/>
               </a:rPr>
-              <a:t>Levantamiento de información: 30 sep - 04 oct.</a:t>
-            </a:r>
-          </a:p>
-          <a:p>
-            <a:r>
-              <a:rPr sz="2000">
+              <a:t> - 04 oct.</a:t>
+            </a:r>
+          </a:p>
+          <a:p>
+            <a:r>
+              <a:rPr lang="es-CO" sz="2000" noProof="0" dirty="0">
                 <a:solidFill>
                   <a:srgbClr val="323232"/>
                 </a:solidFill>
@@ -5637,7 +4637,7 @@
           </a:p>
           <a:p>
             <a:r>
-              <a:rPr sz="2000">
+              <a:rPr lang="es-CO" sz="2000" noProof="0" dirty="0">
                 <a:solidFill>
                   <a:srgbClr val="323232"/>
                 </a:solidFill>
@@ -5648,7 +4648,7 @@
           </a:p>
           <a:p>
             <a:r>
-              <a:rPr sz="2000">
+              <a:rPr lang="es-CO" sz="2000" noProof="0" dirty="0">
                 <a:solidFill>
                   <a:srgbClr val="323232"/>
                 </a:solidFill>
@@ -5659,7 +4659,7 @@
           </a:p>
           <a:p>
             <a:r>
-              <a:rPr sz="2000">
+              <a:rPr lang="es-CO" sz="2000" noProof="0" dirty="0">
                 <a:solidFill>
                   <a:srgbClr val="323232"/>
                 </a:solidFill>
@@ -5670,7 +4670,7 @@
           </a:p>
           <a:p>
             <a:r>
-              <a:rPr sz="2000">
+              <a:rPr lang="es-CO" sz="2000" noProof="0" dirty="0">
                 <a:solidFill>
                   <a:srgbClr val="323232"/>
                 </a:solidFill>
@@ -5681,7 +4681,7 @@
           </a:p>
           <a:p>
             <a:r>
-              <a:rPr sz="2000">
+              <a:rPr lang="es-CO" sz="2000" noProof="0" dirty="0">
                 <a:solidFill>
                   <a:srgbClr val="323232"/>
                 </a:solidFill>
@@ -5732,7 +4732,7 @@
           <a:lstStyle/>
           <a:p>
             <a:pPr algn="ctr"/>
-            <a:endParaRPr/>
+            <a:endParaRPr lang="es-CO" noProof="0" dirty="0"/>
           </a:p>
         </p:txBody>
       </p:sp>
@@ -5776,7 +4776,7 @@
           <a:lstStyle/>
           <a:p>
             <a:pPr algn="ctr"/>
-            <a:endParaRPr/>
+            <a:endParaRPr lang="es-CO" noProof="0" dirty="0"/>
           </a:p>
         </p:txBody>
       </p:sp>
@@ -5822,22 +4822,13 @@
           <a:p>
             <a:pPr algn="l"/>
             <a:r>
-              <a:rPr sz="2000" b="1" dirty="0" err="1">
+              <a:rPr lang="es-CO" sz="2000" b="1" noProof="0" dirty="0">
                 <a:solidFill>
                   <a:srgbClr val="323232"/>
                 </a:solidFill>
                 <a:latin typeface="Calibri"/>
               </a:rPr>
-              <a:t>Próximos</a:t>
-            </a:r>
-            <a:r>
-              <a:rPr sz="2000" b="1" dirty="0">
-                <a:solidFill>
-                  <a:srgbClr val="323232"/>
-                </a:solidFill>
-                <a:latin typeface="Calibri"/>
-              </a:rPr>
-              <a:t> Pasos</a:t>
+              <a:t>Próximos Pasos</a:t>
             </a:r>
           </a:p>
         </p:txBody>
@@ -5858,11 +4849,11 @@
           <a:lstStyle/>
           <a:p>
             <a:pPr algn="l"/>
-            <a:endParaRPr/>
-          </a:p>
-          <a:p>
-            <a:r>
-              <a:rPr sz="2000">
+            <a:endParaRPr lang="es-CO" noProof="0" dirty="0"/>
+          </a:p>
+          <a:p>
+            <a:r>
+              <a:rPr lang="es-CO" sz="2000" noProof="0" dirty="0">
                 <a:solidFill>
                   <a:srgbClr val="323232"/>
                 </a:solidFill>
@@ -5873,7 +4864,7 @@
           </a:p>
           <a:p>
             <a:r>
-              <a:rPr sz="2000">
+              <a:rPr lang="es-CO" sz="2000" noProof="0" dirty="0">
                 <a:solidFill>
                   <a:srgbClr val="323232"/>
                 </a:solidFill>
@@ -5884,7 +4875,7 @@
           </a:p>
           <a:p>
             <a:r>
-              <a:rPr sz="2000">
+              <a:rPr lang="es-CO" sz="2000" noProof="0" dirty="0">
                 <a:solidFill>
                   <a:srgbClr val="323232"/>
                 </a:solidFill>
@@ -5935,7 +4926,7 @@
           <a:lstStyle/>
           <a:p>
             <a:pPr algn="ctr"/>
-            <a:endParaRPr/>
+            <a:endParaRPr lang="es-CO" noProof="0" dirty="0"/>
           </a:p>
         </p:txBody>
       </p:sp>
@@ -5979,7 +4970,7 @@
           <a:lstStyle/>
           <a:p>
             <a:pPr algn="ctr"/>
-            <a:endParaRPr/>
+            <a:endParaRPr lang="es-CO" noProof="0" dirty="0"/>
           </a:p>
         </p:txBody>
       </p:sp>

--- a/propuesta/Presentacion_PlanMejora_TI_Empresa.pptx
+++ b/propuesta/Presentacion_PlanMejora_TI_Empresa.pptx
@@ -3364,18 +3364,10 @@
           <a:bodyPr/>
           <a:lstStyle/>
           <a:p>
-            <a:pPr algn="l"/>
-            <a:r>
-              <a:rPr lang="es-CO" sz="2000" noProof="0" dirty="0">
-                <a:solidFill>
-                  <a:srgbClr val="323232"/>
-                </a:solidFill>
-                <a:latin typeface="Calibri"/>
-              </a:rPr>
-              <a:t>Actual Mente los procedimientos de soporte y mantenimiento se realizan de manera empírica o dispersa.</a:t>
-            </a:r>
-          </a:p>
-          <a:p>
+            <a:r>
+              <a:rPr lang="es-ES" sz="2000" dirty="0"/>
+              <a:t>Hoy en día los procedimientos de soporte y mantenimiento se ejecutan, pero no se encuentran documentados ni estandarizados en un único sistema.</a:t>
+            </a:r>
             <a:endParaRPr lang="es-CO" sz="2000" noProof="0" dirty="0">
               <a:solidFill>
                 <a:srgbClr val="323232"/>
